--- a/paper/论文_测试版/毕设PPT.pptx
+++ b/paper/论文_测试版/毕设PPT.pptx
@@ -6,6 +6,7 @@
   </p:sldMasterIdLst>
   <p:sldIdLst>
     <p:sldId id="256" r:id="rId2"/>
+    <p:sldId id="257" r:id="rId3"/>
   </p:sldIdLst>
   <p:sldSz cx="12192000" cy="6858000"/>
   <p:notesSz cx="6858000" cy="9144000"/>
@@ -104,6 +105,11 @@
       </a:defRPr>
     </a:lvl9pPr>
   </p:defaultTextStyle>
+  <p:extLst>
+    <p:ext uri="{EFAFB233-063F-42B5-8137-9DF3F51BA10A}">
+      <p15:sldGuideLst xmlns:p15="http://schemas.microsoft.com/office/powerpoint/2012/main"/>
+    </p:ext>
+  </p:extLst>
 </p:presentation>
 </file>
 
@@ -111,17 +117,48 @@
 <pc:chgInfo xmlns:a="http://schemas.openxmlformats.org/drawingml/2006/main" xmlns:r="http://schemas.openxmlformats.org/officeDocument/2006/relationships" xmlns:ac="http://schemas.microsoft.com/office/drawing/2013/main/command" xmlns:pc="http://schemas.microsoft.com/office/powerpoint/2013/main/command">
   <pc:docChgLst>
     <pc:chgData name="slayer radish" userId="56706897dd398be4" providerId="LiveId" clId="{5D981C19-6FFC-4823-B335-F9065E88B889}"/>
-    <pc:docChg chg="addSld">
-      <pc:chgData name="slayer radish" userId="56706897dd398be4" providerId="LiveId" clId="{5D981C19-6FFC-4823-B335-F9065E88B889}" dt="2020-05-30T08:28:45.607" v="0" actId="680"/>
+    <pc:docChg chg="addSld modSld">
+      <pc:chgData name="slayer radish" userId="56706897dd398be4" providerId="LiveId" clId="{5D981C19-6FFC-4823-B335-F9065E88B889}" dt="2020-05-30T08:52:48.948" v="70" actId="20577"/>
       <pc:docMkLst>
         <pc:docMk/>
       </pc:docMkLst>
-      <pc:sldChg chg="new">
-        <pc:chgData name="slayer radish" userId="56706897dd398be4" providerId="LiveId" clId="{5D981C19-6FFC-4823-B335-F9065E88B889}" dt="2020-05-30T08:28:45.607" v="0" actId="680"/>
+      <pc:sldChg chg="modSp new mod">
+        <pc:chgData name="slayer radish" userId="56706897dd398be4" providerId="LiveId" clId="{5D981C19-6FFC-4823-B335-F9065E88B889}" dt="2020-05-30T08:52:13.026" v="61"/>
         <pc:sldMkLst>
           <pc:docMk/>
           <pc:sldMk cId="751382305" sldId="256"/>
         </pc:sldMkLst>
+        <pc:spChg chg="mod">
+          <ac:chgData name="slayer radish" userId="56706897dd398be4" providerId="LiveId" clId="{5D981C19-6FFC-4823-B335-F9065E88B889}" dt="2020-05-30T08:51:34.228" v="15" actId="255"/>
+          <ac:spMkLst>
+            <pc:docMk/>
+            <pc:sldMk cId="751382305" sldId="256"/>
+            <ac:spMk id="2" creationId="{03B1A2CD-89E4-4BC5-8EBA-6740A24CBEA0}"/>
+          </ac:spMkLst>
+        </pc:spChg>
+        <pc:spChg chg="mod">
+          <ac:chgData name="slayer radish" userId="56706897dd398be4" providerId="LiveId" clId="{5D981C19-6FFC-4823-B335-F9065E88B889}" dt="2020-05-30T08:52:13.026" v="61"/>
+          <ac:spMkLst>
+            <pc:docMk/>
+            <pc:sldMk cId="751382305" sldId="256"/>
+            <ac:spMk id="3" creationId="{4A065303-DA1C-4355-AFCD-98C2238E83C8}"/>
+          </ac:spMkLst>
+        </pc:spChg>
+      </pc:sldChg>
+      <pc:sldChg chg="modSp new mod">
+        <pc:chgData name="slayer radish" userId="56706897dd398be4" providerId="LiveId" clId="{5D981C19-6FFC-4823-B335-F9065E88B889}" dt="2020-05-30T08:52:48.948" v="70" actId="20577"/>
+        <pc:sldMkLst>
+          <pc:docMk/>
+          <pc:sldMk cId="2818716664" sldId="257"/>
+        </pc:sldMkLst>
+        <pc:spChg chg="mod">
+          <ac:chgData name="slayer radish" userId="56706897dd398be4" providerId="LiveId" clId="{5D981C19-6FFC-4823-B335-F9065E88B889}" dt="2020-05-30T08:52:48.948" v="70" actId="20577"/>
+          <ac:spMkLst>
+            <pc:docMk/>
+            <pc:sldMk cId="2818716664" sldId="257"/>
+            <ac:spMk id="2" creationId="{5DE52B78-1650-4B19-ABFB-BF928BA88381}"/>
+          </ac:spMkLst>
+        </pc:spChg>
       </pc:sldChg>
     </pc:docChg>
   </pc:docChgLst>
@@ -3381,10 +3418,20 @@
         </p:nvSpPr>
         <p:spPr/>
         <p:txBody>
-          <a:bodyPr/>
-          <a:lstStyle/>
-          <a:p>
-            <a:endParaRPr lang="en-US"/>
+          <a:bodyPr>
+            <a:normAutofit/>
+          </a:bodyPr>
+          <a:lstStyle/>
+          <a:p>
+            <a:r>
+              <a:rPr lang="en-US" altLang="zh-CN" sz="4400"/>
+              <a:t>HTTP</a:t>
+            </a:r>
+            <a:r>
+              <a:rPr lang="zh-CN" altLang="en-US" sz="4400"/>
+              <a:t>代理服务器的设计与实现</a:t>
+            </a:r>
+            <a:endParaRPr lang="en-US" sz="4400"/>
           </a:p>
         </p:txBody>
       </p:sp>
@@ -3409,6 +3456,27 @@
           <a:bodyPr/>
           <a:lstStyle/>
           <a:p>
+            <a:r>
+              <a:rPr lang="zh-CN" altLang="en-US"/>
+              <a:t>班级：物联</a:t>
+            </a:r>
+            <a:r>
+              <a:rPr lang="en-US" altLang="zh-CN"/>
+              <a:t>1603</a:t>
+            </a:r>
+          </a:p>
+          <a:p>
+            <a:r>
+              <a:rPr lang="zh-CN" altLang="en-US"/>
+              <a:t>姓名：李钦源</a:t>
+            </a:r>
+            <a:endParaRPr lang="en-US" altLang="zh-CN"/>
+          </a:p>
+          <a:p>
+            <a:r>
+              <a:rPr lang="zh-CN" altLang="en-US"/>
+              <a:t>指导老师：詹曦</a:t>
+            </a:r>
             <a:endParaRPr lang="en-US"/>
           </a:p>
         </p:txBody>
@@ -3417,6 +3485,86 @@
     <p:extLst>
       <p:ext uri="{BB962C8B-B14F-4D97-AF65-F5344CB8AC3E}">
         <p14:creationId xmlns:p14="http://schemas.microsoft.com/office/powerpoint/2010/main" val="751382305"/>
+      </p:ext>
+    </p:extLst>
+  </p:cSld>
+  <p:clrMapOvr>
+    <a:masterClrMapping/>
+  </p:clrMapOvr>
+</p:sld>
+</file>
+
+<file path=ppt/slides/slide2.xml><?xml version="1.0" encoding="utf-8"?>
+<p:sld xmlns:a="http://schemas.openxmlformats.org/drawingml/2006/main" xmlns:r="http://schemas.openxmlformats.org/officeDocument/2006/relationships" xmlns:p="http://schemas.openxmlformats.org/presentationml/2006/main">
+  <p:cSld>
+    <p:spTree>
+      <p:nvGrpSpPr>
+        <p:cNvPr id="1" name=""/>
+        <p:cNvGrpSpPr/>
+        <p:nvPr/>
+      </p:nvGrpSpPr>
+      <p:grpSpPr>
+        <a:xfrm>
+          <a:off x="0" y="0"/>
+          <a:ext cx="0" cy="0"/>
+          <a:chOff x="0" y="0"/>
+          <a:chExt cx="0" cy="0"/>
+        </a:xfrm>
+      </p:grpSpPr>
+      <p:sp>
+        <p:nvSpPr>
+          <p:cNvPr id="2" name="标题 1">
+            <a:extLst>
+              <a:ext uri="{FF2B5EF4-FFF2-40B4-BE49-F238E27FC236}">
+                <a16:creationId xmlns:a16="http://schemas.microsoft.com/office/drawing/2014/main" id="{5DE52B78-1650-4B19-ABFB-BF928BA88381}"/>
+              </a:ext>
+            </a:extLst>
+          </p:cNvPr>
+          <p:cNvSpPr>
+            <a:spLocks noGrp="1"/>
+          </p:cNvSpPr>
+          <p:nvPr>
+            <p:ph type="title"/>
+          </p:nvPr>
+        </p:nvSpPr>
+        <p:spPr/>
+        <p:txBody>
+          <a:bodyPr/>
+          <a:lstStyle/>
+          <a:p>
+            <a:endParaRPr lang="en-US"/>
+          </a:p>
+        </p:txBody>
+      </p:sp>
+      <p:sp>
+        <p:nvSpPr>
+          <p:cNvPr id="3" name="内容占位符 2">
+            <a:extLst>
+              <a:ext uri="{FF2B5EF4-FFF2-40B4-BE49-F238E27FC236}">
+                <a16:creationId xmlns:a16="http://schemas.microsoft.com/office/drawing/2014/main" id="{75C91170-120B-40B8-96EC-AD2A95DA164D}"/>
+              </a:ext>
+            </a:extLst>
+          </p:cNvPr>
+          <p:cNvSpPr>
+            <a:spLocks noGrp="1"/>
+          </p:cNvSpPr>
+          <p:nvPr>
+            <p:ph idx="1"/>
+          </p:nvPr>
+        </p:nvSpPr>
+        <p:spPr/>
+        <p:txBody>
+          <a:bodyPr/>
+          <a:lstStyle/>
+          <a:p>
+            <a:endParaRPr lang="en-US"/>
+          </a:p>
+        </p:txBody>
+      </p:sp>
+    </p:spTree>
+    <p:extLst>
+      <p:ext uri="{BB962C8B-B14F-4D97-AF65-F5344CB8AC3E}">
+        <p14:creationId xmlns:p14="http://schemas.microsoft.com/office/powerpoint/2010/main" val="2818716664"/>
       </p:ext>
     </p:extLst>
   </p:cSld>
